--- a/CapstoneIII_email_clustering.pptx
+++ b/CapstoneIII_email_clustering.pptx
@@ -5,7 +5,7 @@
     <p:sldMasterId id="2147483788" r:id="rId1"/>
   </p:sldMasterIdLst>
   <p:notesMasterIdLst>
-    <p:notesMasterId r:id="rId14"/>
+    <p:notesMasterId r:id="rId15"/>
   </p:notesMasterIdLst>
   <p:sldIdLst>
     <p:sldId id="256" r:id="rId2"/>
@@ -18,63 +18,64 @@
     <p:sldId id="266" r:id="rId9"/>
     <p:sldId id="267" r:id="rId10"/>
     <p:sldId id="272" r:id="rId11"/>
-    <p:sldId id="269" r:id="rId12"/>
-    <p:sldId id="263" r:id="rId13"/>
+    <p:sldId id="273" r:id="rId12"/>
+    <p:sldId id="269" r:id="rId13"/>
+    <p:sldId id="263" r:id="rId14"/>
   </p:sldIdLst>
   <p:sldSz cx="9144000" cy="5143500" type="screen16x9"/>
   <p:notesSz cx="6858000" cy="9144000"/>
   <p:embeddedFontLst>
     <p:embeddedFont>
       <p:font typeface="Palatino Linotype" pitchFamily="18" charset="0"/>
-      <p:regular r:id="rId15"/>
-      <p:bold r:id="rId16"/>
-      <p:italic r:id="rId17"/>
-      <p:boldItalic r:id="rId18"/>
+      <p:regular r:id="rId16"/>
+      <p:bold r:id="rId17"/>
+      <p:italic r:id="rId18"/>
+      <p:boldItalic r:id="rId19"/>
     </p:embeddedFont>
     <p:embeddedFont>
       <p:font typeface="Michroma" charset="0"/>
-      <p:regular r:id="rId19"/>
+      <p:regular r:id="rId20"/>
     </p:embeddedFont>
     <p:embeddedFont>
       <p:font typeface="Open Sans" charset="0"/>
-      <p:regular r:id="rId20"/>
-      <p:bold r:id="rId21"/>
-      <p:italic r:id="rId22"/>
-      <p:boldItalic r:id="rId23"/>
+      <p:regular r:id="rId21"/>
+      <p:bold r:id="rId22"/>
+      <p:italic r:id="rId23"/>
+      <p:boldItalic r:id="rId24"/>
     </p:embeddedFont>
     <p:embeddedFont>
       <p:font typeface="Raleway" charset="0"/>
-      <p:regular r:id="rId24"/>
-      <p:bold r:id="rId25"/>
-      <p:italic r:id="rId26"/>
-      <p:boldItalic r:id="rId27"/>
+      <p:regular r:id="rId25"/>
+      <p:bold r:id="rId26"/>
+      <p:italic r:id="rId27"/>
+      <p:boldItalic r:id="rId28"/>
     </p:embeddedFont>
     <p:embeddedFont>
       <p:font typeface="Wingdings 2" pitchFamily="18" charset="2"/>
-      <p:regular r:id="rId28"/>
+      <p:regular r:id="rId29"/>
     </p:embeddedFont>
     <p:embeddedFont>
       <p:font typeface="Franklin Gothic Book" pitchFamily="34" charset="0"/>
-      <p:regular r:id="rId29"/>
-      <p:italic r:id="rId30"/>
+      <p:regular r:id="rId30"/>
+      <p:italic r:id="rId31"/>
     </p:embeddedFont>
     <p:embeddedFont>
       <p:font typeface="Space Mono" charset="0"/>
-      <p:regular r:id="rId31"/>
-      <p:bold r:id="rId32"/>
-      <p:italic r:id="rId33"/>
-      <p:boldItalic r:id="rId34"/>
+      <p:regular r:id="rId32"/>
+      <p:bold r:id="rId33"/>
+      <p:italic r:id="rId34"/>
+      <p:boldItalic r:id="rId35"/>
     </p:embeddedFont>
     <p:embeddedFont>
       <p:font typeface="IBM Plex Mono" charset="0"/>
-      <p:regular r:id="rId35"/>
-      <p:bold r:id="rId36"/>
-      <p:italic r:id="rId37"/>
-      <p:boldItalic r:id="rId38"/>
+      <p:regular r:id="rId36"/>
+      <p:bold r:id="rId37"/>
+      <p:italic r:id="rId38"/>
+      <p:boldItalic r:id="rId39"/>
     </p:embeddedFont>
     <p:embeddedFont>
       <p:font typeface="Days One" charset="0"/>
-      <p:regular r:id="rId39"/>
+      <p:regular r:id="rId40"/>
     </p:embeddedFont>
   </p:embeddedFontLst>
   <p:defaultTextStyle>
@@ -963,7 +964,7 @@
   <p:cSld>
     <p:spTree>
       <p:nvGrpSpPr>
-        <p:cNvPr id="1" name="Shape 116"/>
+        <p:cNvPr id="1" name="Shape 109"/>
         <p:cNvGrpSpPr/>
         <p:nvPr/>
       </p:nvGrpSpPr>
@@ -977,7 +978,7 @@
       </p:grpSpPr>
       <p:sp>
         <p:nvSpPr>
-          <p:cNvPr id="117" name="Google Shape;117;g76b3b5cf92_0_8:notes"/>
+          <p:cNvPr id="110" name="Google Shape;110;g76b3b5cf92_0_1:notes"/>
           <p:cNvSpPr>
             <a:spLocks noGrp="1" noRot="1" noChangeAspect="1"/>
           </p:cNvSpPr>
@@ -1018,7 +1019,7 @@
       </p:sp>
       <p:sp>
         <p:nvSpPr>
-          <p:cNvPr id="118" name="Google Shape;118;g76b3b5cf92_0_8:notes"/>
+          <p:cNvPr id="111" name="Google Shape;111;g76b3b5cf92_0_1:notes"/>
           <p:cNvSpPr txBox="1">
             <a:spLocks noGrp="1"/>
           </p:cNvSpPr>
@@ -1048,18 +1049,9 @@
               <a:spcAft>
                 <a:spcPts val="0"/>
               </a:spcAft>
-              <a:buClr>
-                <a:schemeClr val="dk1"/>
-              </a:buClr>
-              <a:buSzPts val="1100"/>
-              <a:buFont typeface="Arial"/>
               <a:buNone/>
             </a:pPr>
-            <a:endParaRPr>
-              <a:solidFill>
-                <a:schemeClr val="dk1"/>
-              </a:solidFill>
-            </a:endParaRPr>
+            <a:endParaRPr/>
           </a:p>
         </p:txBody>
       </p:sp>
@@ -1072,6 +1064,119 @@
 </file>
 
 <file path=ppt/notesSlides/notesSlide12.xml><?xml version="1.0" encoding="utf-8"?>
+<p:notes xmlns:a="http://schemas.openxmlformats.org/drawingml/2006/main" xmlns:r="http://schemas.openxmlformats.org/officeDocument/2006/relationships" xmlns:p="http://schemas.openxmlformats.org/presentationml/2006/main" showMasterSp="0" showMasterPhAnim="0">
+  <p:cSld>
+    <p:spTree>
+      <p:nvGrpSpPr>
+        <p:cNvPr id="1" name="Shape 116"/>
+        <p:cNvGrpSpPr/>
+        <p:nvPr/>
+      </p:nvGrpSpPr>
+      <p:grpSpPr>
+        <a:xfrm>
+          <a:off x="0" y="0"/>
+          <a:ext cx="0" cy="0"/>
+          <a:chOff x="0" y="0"/>
+          <a:chExt cx="0" cy="0"/>
+        </a:xfrm>
+      </p:grpSpPr>
+      <p:sp>
+        <p:nvSpPr>
+          <p:cNvPr id="117" name="Google Shape;117;g76b3b5cf92_0_8:notes"/>
+          <p:cNvSpPr>
+            <a:spLocks noGrp="1" noRot="1" noChangeAspect="1"/>
+          </p:cNvSpPr>
+          <p:nvPr>
+            <p:ph type="sldImg" idx="2"/>
+          </p:nvPr>
+        </p:nvSpPr>
+        <p:spPr>
+          <a:xfrm>
+            <a:off x="381000" y="685800"/>
+            <a:ext cx="6096000" cy="3429000"/>
+          </a:xfrm>
+          <a:custGeom>
+            <a:avLst/>
+            <a:gdLst/>
+            <a:ahLst/>
+            <a:cxnLst/>
+            <a:rect l="l" t="t" r="r" b="b"/>
+            <a:pathLst>
+              <a:path w="120000" h="120000" extrusionOk="0">
+                <a:moveTo>
+                  <a:pt x="0" y="0"/>
+                </a:moveTo>
+                <a:lnTo>
+                  <a:pt x="120000" y="0"/>
+                </a:lnTo>
+                <a:lnTo>
+                  <a:pt x="120000" y="120000"/>
+                </a:lnTo>
+                <a:lnTo>
+                  <a:pt x="0" y="120000"/>
+                </a:lnTo>
+                <a:close/>
+              </a:path>
+            </a:pathLst>
+          </a:custGeom>
+        </p:spPr>
+      </p:sp>
+      <p:sp>
+        <p:nvSpPr>
+          <p:cNvPr id="118" name="Google Shape;118;g76b3b5cf92_0_8:notes"/>
+          <p:cNvSpPr txBox="1">
+            <a:spLocks noGrp="1"/>
+          </p:cNvSpPr>
+          <p:nvPr>
+            <p:ph type="body" idx="1"/>
+          </p:nvPr>
+        </p:nvSpPr>
+        <p:spPr>
+          <a:xfrm>
+            <a:off x="685800" y="4343400"/>
+            <a:ext cx="5486400" cy="4114800"/>
+          </a:xfrm>
+          <a:prstGeom prst="rect">
+            <a:avLst/>
+          </a:prstGeom>
+        </p:spPr>
+        <p:txBody>
+          <a:bodyPr spcFirstLastPara="1" wrap="square" lIns="91425" tIns="91425" rIns="91425" bIns="91425" anchor="t" anchorCtr="0">
+            <a:noAutofit/>
+          </a:bodyPr>
+          <a:lstStyle/>
+          <a:p>
+            <a:pPr marL="0" lvl="0" indent="0" algn="l" rtl="0">
+              <a:spcBef>
+                <a:spcPts val="0"/>
+              </a:spcBef>
+              <a:spcAft>
+                <a:spcPts val="0"/>
+              </a:spcAft>
+              <a:buClr>
+                <a:schemeClr val="dk1"/>
+              </a:buClr>
+              <a:buSzPts val="1100"/>
+              <a:buFont typeface="Arial"/>
+              <a:buNone/>
+            </a:pPr>
+            <a:endParaRPr>
+              <a:solidFill>
+                <a:schemeClr val="dk1"/>
+              </a:solidFill>
+            </a:endParaRPr>
+          </a:p>
+        </p:txBody>
+      </p:sp>
+    </p:spTree>
+  </p:cSld>
+  <p:clrMapOvr>
+    <a:masterClrMapping/>
+  </p:clrMapOvr>
+</p:notes>
+</file>
+
+<file path=ppt/notesSlides/notesSlide13.xml><?xml version="1.0" encoding="utf-8"?>
 <p:notes xmlns:a="http://schemas.openxmlformats.org/drawingml/2006/main" xmlns:r="http://schemas.openxmlformats.org/officeDocument/2006/relationships" xmlns:p="http://schemas.openxmlformats.org/presentationml/2006/main" showMasterSp="0" showMasterPhAnim="0">
   <p:cSld>
     <p:spTree>
@@ -2392,7 +2497,7 @@
             <a:fld id="{7CB97365-EBCA-4027-87D5-99FC1D4DF0BB}" type="datetimeFigureOut">
               <a:rPr lang="en-US" smtClean="0"/>
               <a:pPr/>
-              <a:t>11/22/2024</a:t>
+              <a:t>11/29/2024</a:t>
             </a:fld>
             <a:endParaRPr lang="en-US"/>
           </a:p>
@@ -2560,7 +2665,7 @@
             <a:fld id="{7CB97365-EBCA-4027-87D5-99FC1D4DF0BB}" type="datetimeFigureOut">
               <a:rPr lang="en-US" smtClean="0"/>
               <a:pPr/>
-              <a:t>11/22/2024</a:t>
+              <a:t>11/29/2024</a:t>
             </a:fld>
             <a:endParaRPr lang="en-US"/>
           </a:p>
@@ -2738,7 +2843,7 @@
             <a:fld id="{7CB97365-EBCA-4027-87D5-99FC1D4DF0BB}" type="datetimeFigureOut">
               <a:rPr lang="en-US" smtClean="0"/>
               <a:pPr/>
-              <a:t>11/22/2024</a:t>
+              <a:t>11/29/2024</a:t>
             </a:fld>
             <a:endParaRPr lang="en-US"/>
           </a:p>
@@ -4482,7 +4587,7 @@
             <a:fld id="{7CB97365-EBCA-4027-87D5-99FC1D4DF0BB}" type="datetimeFigureOut">
               <a:rPr lang="en-US" smtClean="0"/>
               <a:pPr/>
-              <a:t>11/22/2024</a:t>
+              <a:t>11/29/2024</a:t>
             </a:fld>
             <a:endParaRPr lang="en-US"/>
           </a:p>
@@ -4935,7 +5040,7 @@
             <a:fld id="{7CB97365-EBCA-4027-87D5-99FC1D4DF0BB}" type="datetimeFigureOut">
               <a:rPr lang="en-US" smtClean="0"/>
               <a:pPr/>
-              <a:t>11/22/2024</a:t>
+              <a:t>11/29/2024</a:t>
             </a:fld>
             <a:endParaRPr lang="en-US"/>
           </a:p>
@@ -5202,7 +5307,7 @@
             <a:fld id="{7CB97365-EBCA-4027-87D5-99FC1D4DF0BB}" type="datetimeFigureOut">
               <a:rPr lang="en-US" smtClean="0"/>
               <a:pPr/>
-              <a:t>11/22/2024</a:t>
+              <a:t>11/29/2024</a:t>
             </a:fld>
             <a:endParaRPr lang="en-US"/>
           </a:p>
@@ -5579,7 +5684,7 @@
             <a:fld id="{7CB97365-EBCA-4027-87D5-99FC1D4DF0BB}" type="datetimeFigureOut">
               <a:rPr lang="en-US" smtClean="0"/>
               <a:pPr/>
-              <a:t>11/22/2024</a:t>
+              <a:t>11/29/2024</a:t>
             </a:fld>
             <a:endParaRPr lang="en-US"/>
           </a:p>
@@ -5704,7 +5809,7 @@
             <a:fld id="{7CB97365-EBCA-4027-87D5-99FC1D4DF0BB}" type="datetimeFigureOut">
               <a:rPr lang="en-US" smtClean="0"/>
               <a:pPr/>
-              <a:t>11/22/2024</a:t>
+              <a:t>11/29/2024</a:t>
             </a:fld>
             <a:endParaRPr lang="en-US"/>
           </a:p>
@@ -5797,7 +5902,7 @@
             <a:fld id="{7CB97365-EBCA-4027-87D5-99FC1D4DF0BB}" type="datetimeFigureOut">
               <a:rPr lang="en-US" smtClean="0"/>
               <a:pPr/>
-              <a:t>11/22/2024</a:t>
+              <a:t>11/29/2024</a:t>
             </a:fld>
             <a:endParaRPr lang="en-US"/>
           </a:p>
@@ -6065,7 +6170,7 @@
             <a:fld id="{7CB97365-EBCA-4027-87D5-99FC1D4DF0BB}" type="datetimeFigureOut">
               <a:rPr lang="en-US" smtClean="0"/>
               <a:pPr/>
-              <a:t>11/22/2024</a:t>
+              <a:t>11/29/2024</a:t>
             </a:fld>
             <a:endParaRPr lang="en-US"/>
           </a:p>
@@ -6327,7 +6432,7 @@
             <a:fld id="{7CB97365-EBCA-4027-87D5-99FC1D4DF0BB}" type="datetimeFigureOut">
               <a:rPr lang="en-US" smtClean="0"/>
               <a:pPr/>
-              <a:t>11/22/2024</a:t>
+              <a:t>11/29/2024</a:t>
             </a:fld>
             <a:endParaRPr lang="en-US"/>
           </a:p>
@@ -6744,7 +6849,7 @@
             <a:fld id="{7CB97365-EBCA-4027-87D5-99FC1D4DF0BB}" type="datetimeFigureOut">
               <a:rPr lang="en-US" smtClean="0"/>
               <a:pPr/>
-              <a:t>11/22/2024</a:t>
+              <a:t>11/29/2024</a:t>
             </a:fld>
             <a:endParaRPr lang="en-US">
               <a:solidFill>
@@ -7339,9 +7444,6 @@
               </a:rPr>
               <a:t>clustering</a:t>
             </a:r>
-            <a:endParaRPr lang="en-US" sz="2800" dirty="0" smtClean="0">
-              <a:latin typeface="Palatino Linotype" pitchFamily="18" charset="0"/>
-            </a:endParaRPr>
           </a:p>
         </p:txBody>
       </p:sp>
@@ -7388,23 +7490,8 @@
                 <a:cs typeface="Open Sans"/>
                 <a:sym typeface="Open Sans"/>
               </a:rPr>
-              <a:t>Model </a:t>
-            </a:r>
-            <a:r>
-              <a:rPr lang="en-US" sz="2000" dirty="0" smtClean="0">
-                <a:latin typeface="Palatino Linotype" pitchFamily="18" charset="0"/>
-                <a:ea typeface="Open Sans"/>
-                <a:cs typeface="Open Sans"/>
-                <a:sym typeface="Open Sans"/>
-              </a:rPr>
-              <a:t>performance Metrics.</a:t>
-            </a:r>
-            <a:endParaRPr lang="en-US" sz="2000" dirty="0" smtClean="0">
-              <a:latin typeface="Palatino Linotype" pitchFamily="18" charset="0"/>
-              <a:ea typeface="Open Sans"/>
-              <a:cs typeface="Open Sans"/>
-              <a:sym typeface="Open Sans"/>
-            </a:endParaRPr>
+              <a:t>Model performance Metrics.</a:t>
+            </a:r>
           </a:p>
           <a:p>
             <a:pPr marL="457200" indent="-342900">
@@ -7436,28 +7523,6 @@
               </a:rPr>
               <a:t>clustering</a:t>
             </a:r>
-          </a:p>
-          <a:p>
-            <a:pPr marL="457200" indent="-342900">
-              <a:spcBef>
-                <a:spcPts val="0"/>
-              </a:spcBef>
-              <a:buClr>
-                <a:schemeClr val="tx1"/>
-              </a:buClr>
-              <a:buSzPts val="1800"/>
-              <a:buFont typeface="Wingdings" pitchFamily="2" charset="2"/>
-              <a:buChar char="q"/>
-            </a:pPr>
-            <a:r>
-              <a:rPr lang="en-US" sz="2000" dirty="0" smtClean="0">
-                <a:latin typeface="Palatino Linotype" pitchFamily="18" charset="0"/>
-                <a:ea typeface="Open Sans"/>
-                <a:cs typeface="Open Sans"/>
-                <a:sym typeface="Open Sans"/>
-              </a:rPr>
-              <a:t>Performance is better compared to K-means</a:t>
-            </a:r>
             <a:endParaRPr lang="en-US" sz="2000" dirty="0" smtClean="0">
               <a:latin typeface="Palatino Linotype" pitchFamily="18" charset="0"/>
               <a:ea typeface="Open Sans"/>
@@ -7469,7 +7534,7 @@
       </p:sp>
       <p:pic>
         <p:nvPicPr>
-          <p:cNvPr id="4100" name="Picture 4"/>
+          <p:cNvPr id="6146" name="Picture 2"/>
           <p:cNvPicPr>
             <a:picLocks noChangeAspect="1" noChangeArrowheads="1"/>
           </p:cNvPicPr>
@@ -7484,8 +7549,8 @@
         </p:blipFill>
         <p:spPr bwMode="auto">
           <a:xfrm>
-            <a:off x="304800" y="4019550"/>
-            <a:ext cx="4552950" cy="533400"/>
+            <a:off x="6019800" y="4400550"/>
+            <a:ext cx="2990850" cy="520700"/>
           </a:xfrm>
           <a:prstGeom prst="rect">
             <a:avLst/>
@@ -7502,7 +7567,7 @@
       </p:pic>
       <p:pic>
         <p:nvPicPr>
-          <p:cNvPr id="4101" name="Picture 5"/>
+          <p:cNvPr id="6147" name="Picture 3"/>
           <p:cNvPicPr>
             <a:picLocks noChangeAspect="1" noChangeArrowheads="1"/>
           </p:cNvPicPr>
@@ -7517,8 +7582,8 @@
         </p:blipFill>
         <p:spPr bwMode="auto">
           <a:xfrm>
-            <a:off x="5410200" y="3409950"/>
-            <a:ext cx="1885950" cy="1123950"/>
+            <a:off x="457200" y="3028949"/>
+            <a:ext cx="5181600" cy="2051557"/>
           </a:xfrm>
           <a:prstGeom prst="rect">
             <a:avLst/>
@@ -7546,6 +7611,170 @@
   <p:cSld>
     <p:spTree>
       <p:nvGrpSpPr>
+        <p:cNvPr id="1" name="Shape 112"/>
+        <p:cNvGrpSpPr/>
+        <p:nvPr/>
+      </p:nvGrpSpPr>
+      <p:grpSpPr>
+        <a:xfrm>
+          <a:off x="0" y="0"/>
+          <a:ext cx="0" cy="0"/>
+          <a:chOff x="0" y="0"/>
+          <a:chExt cx="0" cy="0"/>
+        </a:xfrm>
+      </p:grpSpPr>
+      <p:sp>
+        <p:nvSpPr>
+          <p:cNvPr id="113" name="Google Shape;113;p25"/>
+          <p:cNvSpPr txBox="1">
+            <a:spLocks noGrp="1"/>
+          </p:cNvSpPr>
+          <p:nvPr>
+            <p:ph type="subTitle" idx="4294967295"/>
+          </p:nvPr>
+        </p:nvSpPr>
+        <p:spPr>
+          <a:xfrm>
+            <a:off x="0" y="574675"/>
+            <a:ext cx="6696075" cy="515938"/>
+          </a:xfrm>
+          <a:prstGeom prst="rect">
+            <a:avLst/>
+          </a:prstGeom>
+        </p:spPr>
+        <p:txBody>
+          <a:bodyPr spcFirstLastPara="1" wrap="square" lIns="91425" tIns="91425" rIns="91425" bIns="91425" anchor="t" anchorCtr="0">
+            <a:noAutofit/>
+          </a:bodyPr>
+          <a:lstStyle/>
+          <a:p>
+            <a:pPr marL="0" indent="0">
+              <a:lnSpc>
+                <a:spcPct val="115000"/>
+              </a:lnSpc>
+              <a:spcBef>
+                <a:spcPts val="0"/>
+              </a:spcBef>
+              <a:spcAft>
+                <a:spcPts val="1600"/>
+              </a:spcAft>
+              <a:buNone/>
+            </a:pPr>
+            <a:r>
+              <a:rPr lang="en-US" sz="2800" dirty="0" smtClean="0">
+                <a:latin typeface="Palatino Linotype" pitchFamily="18" charset="0"/>
+                <a:ea typeface="Open Sans"/>
+                <a:cs typeface="Open Sans"/>
+                <a:sym typeface="Open Sans"/>
+              </a:rPr>
+              <a:t>Model comparisons</a:t>
+            </a:r>
+            <a:endParaRPr lang="en-US" sz="2800" dirty="0" smtClean="0">
+              <a:latin typeface="Palatino Linotype" pitchFamily="18" charset="0"/>
+            </a:endParaRPr>
+          </a:p>
+        </p:txBody>
+      </p:sp>
+      <p:sp>
+        <p:nvSpPr>
+          <p:cNvPr id="114" name="Google Shape;114;p25"/>
+          <p:cNvSpPr txBox="1">
+            <a:spLocks noGrp="1"/>
+          </p:cNvSpPr>
+          <p:nvPr>
+            <p:ph type="subTitle" idx="4294967295"/>
+          </p:nvPr>
+        </p:nvSpPr>
+        <p:spPr>
+          <a:xfrm>
+            <a:off x="1" y="1581150"/>
+            <a:ext cx="9144000" cy="2489200"/>
+          </a:xfrm>
+          <a:prstGeom prst="rect">
+            <a:avLst/>
+          </a:prstGeom>
+        </p:spPr>
+        <p:txBody>
+          <a:bodyPr spcFirstLastPara="1" wrap="square" lIns="91425" tIns="91425" rIns="91425" bIns="91425" anchor="t" anchorCtr="0">
+            <a:noAutofit/>
+          </a:bodyPr>
+          <a:lstStyle/>
+          <a:p>
+            <a:pPr marL="457200" indent="-342900">
+              <a:spcBef>
+                <a:spcPts val="0"/>
+              </a:spcBef>
+              <a:buClr>
+                <a:schemeClr val="tx1"/>
+              </a:buClr>
+              <a:buSzPts val="1800"/>
+              <a:buFont typeface="Wingdings" pitchFamily="2" charset="2"/>
+              <a:buChar char="q"/>
+            </a:pPr>
+            <a:r>
+              <a:rPr lang="en-US" sz="2000" dirty="0" smtClean="0">
+                <a:latin typeface="Palatino Linotype" pitchFamily="18" charset="0"/>
+                <a:ea typeface="Open Sans"/>
+                <a:cs typeface="Open Sans"/>
+                <a:sym typeface="Open Sans"/>
+              </a:rPr>
+              <a:t>K-means is better in clustering spam and non spam emails.</a:t>
+            </a:r>
+            <a:endParaRPr lang="en-US" sz="2000" dirty="0" smtClean="0">
+              <a:latin typeface="Palatino Linotype" pitchFamily="18" charset="0"/>
+              <a:ea typeface="Open Sans"/>
+              <a:cs typeface="Open Sans"/>
+              <a:sym typeface="Open Sans"/>
+            </a:endParaRPr>
+          </a:p>
+        </p:txBody>
+      </p:sp>
+      <p:pic>
+        <p:nvPicPr>
+          <p:cNvPr id="7170" name="Picture 2"/>
+          <p:cNvPicPr>
+            <a:picLocks noChangeAspect="1" noChangeArrowheads="1"/>
+          </p:cNvPicPr>
+          <p:nvPr/>
+        </p:nvPicPr>
+        <p:blipFill>
+          <a:blip r:embed="rId3"/>
+          <a:srcRect/>
+          <a:stretch>
+            <a:fillRect/>
+          </a:stretch>
+        </p:blipFill>
+        <p:spPr bwMode="auto">
+          <a:xfrm>
+            <a:off x="685800" y="2038350"/>
+            <a:ext cx="6248400" cy="2935003"/>
+          </a:xfrm>
+          <a:prstGeom prst="rect">
+            <a:avLst/>
+          </a:prstGeom>
+          <a:noFill/>
+          <a:ln w="9525">
+            <a:noFill/>
+            <a:miter lim="800000"/>
+            <a:headEnd/>
+            <a:tailEnd/>
+          </a:ln>
+          <a:effectLst/>
+        </p:spPr>
+      </p:pic>
+    </p:spTree>
+  </p:cSld>
+  <p:clrMapOvr>
+    <a:masterClrMapping/>
+  </p:clrMapOvr>
+</p:sld>
+</file>
+
+<file path=ppt/slides/slide12.xml><?xml version="1.0" encoding="utf-8"?>
+<p:sld xmlns:a="http://schemas.openxmlformats.org/drawingml/2006/main" xmlns:r="http://schemas.openxmlformats.org/officeDocument/2006/relationships" xmlns:p="http://schemas.openxmlformats.org/presentationml/2006/main">
+  <p:cSld>
+    <p:spTree>
+      <p:nvGrpSpPr>
         <p:cNvPr id="1" name="Shape 119"/>
         <p:cNvGrpSpPr/>
         <p:nvPr/>
@@ -7650,7 +7879,7 @@
                 <a:cs typeface="Open Sans"/>
                 <a:sym typeface="Open Sans"/>
               </a:rPr>
-              <a:t>Gaussian Mixture Clustering </a:t>
+              <a:t>K-means Clustering </a:t>
             </a:r>
             <a:r>
               <a:rPr lang="en-US" sz="2000" dirty="0" smtClean="0">
@@ -7659,14 +7888,35 @@
                 <a:cs typeface="Open Sans"/>
                 <a:sym typeface="Open Sans"/>
               </a:rPr>
-              <a:t>can be used to identify the spam email, the model is not complete random or perfect but it is on the positive side of the model metrics and performance is better compared to other unsupervised learning models.</a:t>
-            </a:r>
-            <a:endParaRPr lang="en-US" sz="2000" dirty="0" smtClean="0">
-              <a:latin typeface="Palatino Linotype" pitchFamily="18" charset="0"/>
-              <a:ea typeface="Open Sans"/>
-              <a:cs typeface="Open Sans"/>
-              <a:sym typeface="Open Sans"/>
-            </a:endParaRPr>
+              <a:t>can be used to identify the spam email, the model is </a:t>
+            </a:r>
+            <a:r>
+              <a:rPr lang="en-US" sz="2000" dirty="0" smtClean="0">
+                <a:latin typeface="Palatino Linotype" pitchFamily="18" charset="0"/>
+                <a:ea typeface="Open Sans"/>
+                <a:cs typeface="Open Sans"/>
+                <a:sym typeface="Open Sans"/>
+              </a:rPr>
+              <a:t>good. The </a:t>
+            </a:r>
+            <a:r>
+              <a:rPr lang="en-US" sz="2000" dirty="0" smtClean="0">
+                <a:latin typeface="Palatino Linotype" pitchFamily="18" charset="0"/>
+                <a:ea typeface="Open Sans"/>
+                <a:cs typeface="Open Sans"/>
+                <a:sym typeface="Open Sans"/>
+              </a:rPr>
+              <a:t>model </a:t>
+            </a:r>
+            <a:r>
+              <a:rPr lang="en-US" sz="2000" dirty="0" smtClean="0">
+                <a:latin typeface="Palatino Linotype" pitchFamily="18" charset="0"/>
+                <a:ea typeface="Open Sans"/>
+                <a:cs typeface="Open Sans"/>
+                <a:sym typeface="Open Sans"/>
+              </a:rPr>
+              <a:t>metrics and performance is better compared to other unsupervised learning models.</a:t>
+            </a:r>
           </a:p>
           <a:p>
             <a:pPr marL="457200" lvl="0" indent="-342900" algn="l" rtl="0">
@@ -7690,16 +7940,7 @@
                 <a:cs typeface="Open Sans"/>
                 <a:sym typeface="Open Sans"/>
               </a:rPr>
-              <a:t> </a:t>
-            </a:r>
-            <a:r>
-              <a:rPr lang="en-US" sz="2000" dirty="0" smtClean="0">
-                <a:latin typeface="Palatino Linotype" pitchFamily="18" charset="0"/>
-                <a:ea typeface="Open Sans"/>
-                <a:cs typeface="Open Sans"/>
-                <a:sym typeface="Open Sans"/>
-              </a:rPr>
-              <a:t>Data selected is labeled data, so as next step I strongly recommend try supervised learning models like decision trees with ensemble techniques. After the try and based on model performance select the best model.</a:t>
+              <a:t> Data selected is labeled data, so as next step I strongly recommend try supervised learning models like decision trees with ensemble techniques. After the try and based on model performance select the best model.</a:t>
             </a:r>
             <a:endParaRPr lang="en-US" sz="1800" dirty="0">
               <a:solidFill>
@@ -7764,18 +8005,7 @@
                 <a:ea typeface="+mn-ea"/>
                 <a:cs typeface="+mn-cs"/>
               </a:rPr>
-              <a:t>Model </a:t>
-            </a:r>
-            <a:r>
-              <a:rPr lang="en-US" sz="2800" kern="1200" dirty="0" smtClean="0">
-                <a:solidFill>
-                  <a:schemeClr val="tx1"/>
-                </a:solidFill>
-                <a:latin typeface="Palatino Linotype" pitchFamily="18" charset="0"/>
-                <a:ea typeface="+mn-ea"/>
-                <a:cs typeface="+mn-cs"/>
-              </a:rPr>
-              <a:t>reference</a:t>
+              <a:t>Model reference</a:t>
             </a:r>
           </a:p>
           <a:p>
@@ -7812,19 +8042,7 @@
                 <a:cs typeface="+mn-cs"/>
                 <a:hlinkClick r:id="rId3"/>
               </a:rPr>
-              <a:t>https://</a:t>
-            </a:r>
-            <a:r>
-              <a:rPr lang="en-US" sz="1800" kern="1200" dirty="0" smtClean="0">
-                <a:solidFill>
-                  <a:schemeClr val="tx1"/>
-                </a:solidFill>
-                <a:latin typeface="+mn-lt"/>
-                <a:ea typeface="+mn-ea"/>
-                <a:cs typeface="+mn-cs"/>
-                <a:hlinkClick r:id="rId3"/>
-              </a:rPr>
-              <a:t>github.com/krupakar010/DATA-401/blob/main/CapstoneIII_unsupervised_learning1.ipynb</a:t>
+              <a:t>https://github.com/krupakar010/DATA-401/blob/main/CapstoneIII_unsupervised_learning1.ipynb</a:t>
             </a:r>
             <a:r>
               <a:rPr lang="en-US" sz="1800" kern="1200" dirty="0" smtClean="0">
@@ -7862,7 +8080,7 @@
 </p:sld>
 </file>
 
-<file path=ppt/slides/slide12.xml><?xml version="1.0" encoding="utf-8"?>
+<file path=ppt/slides/slide13.xml><?xml version="1.0" encoding="utf-8"?>
 <p:sld xmlns:a="http://schemas.openxmlformats.org/drawingml/2006/main" xmlns:r="http://schemas.openxmlformats.org/officeDocument/2006/relationships" xmlns:p="http://schemas.openxmlformats.org/presentationml/2006/main">
   <p:cSld>
     <p:spTree>
@@ -8044,23 +8262,8 @@
                 <a:cs typeface="Open Sans"/>
                 <a:sym typeface="Open Sans"/>
               </a:rPr>
-              <a:t>Emails are a part of everyday life for millions of people, serving as a primary communication tool in both personal and professional settings</a:t>
-            </a:r>
-            <a:r>
-              <a:rPr lang="en-US" sz="2000" dirty="0" smtClean="0">
-                <a:latin typeface="Palatino Linotype" pitchFamily="18" charset="0"/>
-                <a:ea typeface="Open Sans"/>
-                <a:cs typeface="Open Sans"/>
-                <a:sym typeface="Open Sans"/>
-              </a:rPr>
-              <a:t>.</a:t>
-            </a:r>
-            <a:endParaRPr lang="en-US" sz="2000" dirty="0" smtClean="0">
-              <a:latin typeface="Palatino Linotype" pitchFamily="18" charset="0"/>
-              <a:ea typeface="Open Sans"/>
-              <a:cs typeface="Open Sans"/>
-              <a:sym typeface="Open Sans"/>
-            </a:endParaRPr>
+              <a:t>Emails are a part of everyday life for millions of people, serving as a primary communication tool in both personal and professional settings.</a:t>
+            </a:r>
           </a:p>
           <a:p>
             <a:pPr indent="-342900">
@@ -8078,23 +8281,8 @@
                 <a:cs typeface="Open Sans"/>
                 <a:sym typeface="Open Sans"/>
               </a:rPr>
-              <a:t>Statistics show that around 45% of emails are classified as spam, indicating a large number of potential victims</a:t>
-            </a:r>
-            <a:r>
-              <a:rPr lang="en-US" sz="2000" dirty="0" smtClean="0">
-                <a:latin typeface="Palatino Linotype" pitchFamily="18" charset="0"/>
-                <a:ea typeface="Open Sans"/>
-                <a:cs typeface="Open Sans"/>
-                <a:sym typeface="Open Sans"/>
-              </a:rPr>
-              <a:t>.</a:t>
-            </a:r>
-            <a:endParaRPr lang="en-US" sz="2000" dirty="0" smtClean="0">
-              <a:latin typeface="Palatino Linotype" pitchFamily="18" charset="0"/>
-              <a:ea typeface="Open Sans"/>
-              <a:cs typeface="Open Sans"/>
-              <a:sym typeface="Open Sans"/>
-            </a:endParaRPr>
+              <a:t>Statistics show that around 45% of emails are classified as spam, indicating a large number of potential victims.</a:t>
+            </a:r>
           </a:p>
           <a:p>
             <a:pPr indent="-342900">
@@ -8282,59 +8470,8 @@
                 <a:cs typeface="Open Sans"/>
                 <a:sym typeface="Open Sans"/>
               </a:rPr>
-              <a:t>5172 </a:t>
-            </a:r>
-            <a:r>
-              <a:rPr lang="en" sz="2000" dirty="0" smtClean="0">
-                <a:latin typeface="Palatino Linotype" pitchFamily="18" charset="0"/>
-                <a:ea typeface="Open Sans"/>
-                <a:cs typeface="Open Sans"/>
-                <a:sym typeface="Open Sans"/>
-              </a:rPr>
-              <a:t>sample </a:t>
-            </a:r>
-            <a:r>
-              <a:rPr lang="en" sz="2000" dirty="0" smtClean="0">
-                <a:latin typeface="Palatino Linotype" pitchFamily="18" charset="0"/>
-                <a:ea typeface="Open Sans"/>
-                <a:cs typeface="Open Sans"/>
-                <a:sym typeface="Open Sans"/>
-              </a:rPr>
-              <a:t>email </a:t>
-            </a:r>
-            <a:r>
-              <a:rPr lang="en" sz="2000" dirty="0" smtClean="0">
-                <a:latin typeface="Palatino Linotype" pitchFamily="18" charset="0"/>
-                <a:ea typeface="Open Sans"/>
-                <a:cs typeface="Open Sans"/>
-                <a:sym typeface="Open Sans"/>
-              </a:rPr>
-              <a:t>data with </a:t>
-            </a:r>
-            <a:r>
-              <a:rPr lang="en" sz="2000" dirty="0" smtClean="0">
-                <a:latin typeface="Palatino Linotype" pitchFamily="18" charset="0"/>
-                <a:ea typeface="Open Sans"/>
-                <a:cs typeface="Open Sans"/>
-                <a:sym typeface="Open Sans"/>
-              </a:rPr>
-              <a:t>spam label on them</a:t>
-            </a:r>
-            <a:r>
-              <a:rPr lang="en" sz="2000" dirty="0" smtClean="0">
-                <a:latin typeface="Palatino Linotype" pitchFamily="18" charset="0"/>
-                <a:ea typeface="Open Sans"/>
-                <a:cs typeface="Open Sans"/>
-                <a:sym typeface="Open Sans"/>
-              </a:rPr>
-              <a:t>.</a:t>
-            </a:r>
-            <a:endParaRPr lang="en" sz="2000" dirty="0" smtClean="0">
-              <a:latin typeface="Palatino Linotype" pitchFamily="18" charset="0"/>
-              <a:ea typeface="Open Sans"/>
-              <a:cs typeface="Open Sans"/>
-              <a:sym typeface="Open Sans"/>
-            </a:endParaRPr>
+              <a:t>5172 sample email data with spam label on them.</a:t>
+            </a:r>
           </a:p>
           <a:p>
             <a:pPr indent="-342900">
@@ -8352,16 +8489,7 @@
                 <a:cs typeface="Open Sans"/>
                 <a:sym typeface="Open Sans"/>
               </a:rPr>
-              <a:t>Data includes </a:t>
-            </a:r>
-            <a:r>
-              <a:rPr lang="en" sz="2000" dirty="0" smtClean="0">
-                <a:latin typeface="Palatino Linotype" pitchFamily="18" charset="0"/>
-                <a:ea typeface="Open Sans"/>
-                <a:cs typeface="Open Sans"/>
-                <a:sym typeface="Open Sans"/>
-              </a:rPr>
-              <a:t>3000 features, the mostly refer to existance of specific words</a:t>
+              <a:t>Data includes 3000 features, the mostly refer to existance of specific words</a:t>
             </a:r>
             <a:r>
               <a:rPr lang="en" sz="2400" dirty="0" smtClean="0">
@@ -8408,6 +8536,22 @@
               </a:rPr>
               <a:t>available here </a:t>
             </a:r>
+            <a:endParaRPr lang="en" sz="2000" dirty="0" smtClean="0">
+              <a:latin typeface="Palatino Linotype" pitchFamily="18" charset="0"/>
+              <a:ea typeface="Open Sans"/>
+              <a:cs typeface="Open Sans"/>
+              <a:sym typeface="Open Sans"/>
+            </a:endParaRPr>
+          </a:p>
+          <a:p>
+            <a:pPr indent="-342900">
+              <a:buClr>
+                <a:schemeClr val="tx1"/>
+              </a:buClr>
+              <a:buSzPts val="1800"/>
+              <a:buFont typeface="Wingdings" pitchFamily="2" charset="2"/>
+              <a:buChar char="q"/>
+            </a:pPr>
             <a:endParaRPr lang="en" sz="2000" dirty="0" smtClean="0">
               <a:latin typeface="Palatino Linotype" pitchFamily="18" charset="0"/>
               <a:ea typeface="Open Sans"/>
@@ -8582,16 +8726,7 @@
                 <a:cs typeface="Open Sans"/>
                 <a:sym typeface="Open Sans"/>
               </a:rPr>
-              <a:t>Handling Missing data</a:t>
-            </a:r>
-            <a:r>
-              <a:rPr lang="en" sz="2000" dirty="0" smtClean="0">
-                <a:latin typeface="Palatino Linotype" pitchFamily="18" charset="0"/>
-                <a:ea typeface="Open Sans"/>
-                <a:cs typeface="Open Sans"/>
-                <a:sym typeface="Open Sans"/>
-              </a:rPr>
-              <a:t>.</a:t>
+              <a:t>Handling Missing data.</a:t>
             </a:r>
           </a:p>
           <a:p>
@@ -8612,12 +8747,6 @@
               </a:rPr>
               <a:t>No missing data, zero values are valid</a:t>
             </a:r>
-            <a:endParaRPr lang="en" sz="1600" dirty="0" smtClean="0">
-              <a:latin typeface="Palatino Linotype" pitchFamily="18" charset="0"/>
-              <a:ea typeface="Open Sans"/>
-              <a:cs typeface="Open Sans"/>
-              <a:sym typeface="Open Sans"/>
-            </a:endParaRPr>
           </a:p>
           <a:p>
             <a:pPr indent="-342900">
@@ -8635,16 +8764,7 @@
                 <a:cs typeface="Open Sans"/>
                 <a:sym typeface="Open Sans"/>
               </a:rPr>
-              <a:t>Analysis of categorical value </a:t>
-            </a:r>
-            <a:r>
-              <a:rPr lang="en" sz="2000" dirty="0" smtClean="0">
-                <a:latin typeface="Palatino Linotype" pitchFamily="18" charset="0"/>
-                <a:ea typeface="Open Sans"/>
-                <a:cs typeface="Open Sans"/>
-                <a:sym typeface="Open Sans"/>
-              </a:rPr>
-              <a:t>email id.</a:t>
+              <a:t>Analysis of categorical value email id.</a:t>
             </a:r>
           </a:p>
           <a:p>
@@ -8665,12 +8785,6 @@
               </a:rPr>
               <a:t>This is unquie id , so this will get dropped from the features.</a:t>
             </a:r>
-            <a:endParaRPr lang="en" sz="1600" dirty="0" smtClean="0">
-              <a:latin typeface="Palatino Linotype" pitchFamily="18" charset="0"/>
-              <a:ea typeface="Open Sans"/>
-              <a:cs typeface="Open Sans"/>
-              <a:sym typeface="Open Sans"/>
-            </a:endParaRPr>
           </a:p>
           <a:p>
             <a:pPr indent="-342900">
@@ -8737,12 +8851,6 @@
               </a:rPr>
               <a:t>Lable is 0 or 1 indicate email is spam or not</a:t>
             </a:r>
-            <a:endParaRPr lang="en" sz="1600" dirty="0" smtClean="0">
-              <a:latin typeface="Palatino Linotype" pitchFamily="18" charset="0"/>
-              <a:ea typeface="Open Sans"/>
-              <a:cs typeface="Open Sans"/>
-              <a:sym typeface="Open Sans"/>
-            </a:endParaRPr>
           </a:p>
           <a:p>
             <a:pPr indent="-342900">
@@ -8875,6 +8983,39 @@
           </a:p>
         </p:txBody>
       </p:sp>
+      <p:pic>
+        <p:nvPicPr>
+          <p:cNvPr id="2050" name="Picture 2"/>
+          <p:cNvPicPr>
+            <a:picLocks noChangeAspect="1" noChangeArrowheads="1"/>
+          </p:cNvPicPr>
+          <p:nvPr/>
+        </p:nvPicPr>
+        <p:blipFill>
+          <a:blip r:embed="rId3"/>
+          <a:srcRect/>
+          <a:stretch>
+            <a:fillRect/>
+          </a:stretch>
+        </p:blipFill>
+        <p:spPr bwMode="auto">
+          <a:xfrm>
+            <a:off x="6705600" y="3028950"/>
+            <a:ext cx="2137922" cy="1852612"/>
+          </a:xfrm>
+          <a:prstGeom prst="rect">
+            <a:avLst/>
+          </a:prstGeom>
+          <a:noFill/>
+          <a:ln w="9525">
+            <a:noFill/>
+            <a:miter lim="800000"/>
+            <a:headEnd/>
+            <a:tailEnd/>
+          </a:ln>
+          <a:effectLst/>
+        </p:spPr>
+      </p:pic>
     </p:spTree>
   </p:cSld>
   <p:clrMapOvr>
@@ -8941,17 +9082,8 @@
               <a:rPr lang="en-US" sz="2800" dirty="0" smtClean="0">
                 <a:latin typeface="Palatino Linotype" pitchFamily="18" charset="0"/>
               </a:rPr>
-              <a:t>Feature </a:t>
-            </a:r>
-            <a:r>
-              <a:rPr lang="en-US" sz="2800" dirty="0" smtClean="0">
-                <a:latin typeface="Palatino Linotype" pitchFamily="18" charset="0"/>
-              </a:rPr>
-              <a:t>Engineering</a:t>
-            </a:r>
-            <a:endParaRPr lang="en-US" sz="2800" dirty="0" smtClean="0">
-              <a:latin typeface="Palatino Linotype" pitchFamily="18" charset="0"/>
-            </a:endParaRPr>
+              <a:t>Feature Engineering</a:t>
+            </a:r>
           </a:p>
         </p:txBody>
       </p:sp>
@@ -9000,12 +9132,6 @@
               </a:rPr>
               <a:t>Features are huge and are 3000</a:t>
             </a:r>
-            <a:endParaRPr lang="en-US" sz="2000" dirty="0" smtClean="0">
-              <a:latin typeface="Palatino Linotype" pitchFamily="18" charset="0"/>
-              <a:ea typeface="Open Sans"/>
-              <a:cs typeface="Open Sans"/>
-              <a:sym typeface="Open Sans"/>
-            </a:endParaRPr>
           </a:p>
           <a:p>
             <a:pPr marL="457200" indent="-342900">
@@ -9026,16 +9152,7 @@
                 <a:cs typeface="Open Sans"/>
                 <a:sym typeface="Open Sans"/>
               </a:rPr>
-              <a:t>Standardization and </a:t>
-            </a:r>
-            <a:r>
-              <a:rPr lang="en-US" sz="2000" dirty="0" smtClean="0">
-                <a:latin typeface="Palatino Linotype" pitchFamily="18" charset="0"/>
-                <a:ea typeface="Open Sans"/>
-                <a:cs typeface="Open Sans"/>
-                <a:sym typeface="Open Sans"/>
-              </a:rPr>
-              <a:t>normalization</a:t>
+              <a:t>Standardization and normalization</a:t>
             </a:r>
           </a:p>
           <a:p>
@@ -9059,12 +9176,6 @@
               </a:rPr>
               <a:t>Standardization will be done on the 3000 features</a:t>
             </a:r>
-            <a:endParaRPr lang="en-US" sz="1600" dirty="0" smtClean="0">
-              <a:latin typeface="Palatino Linotype" pitchFamily="18" charset="0"/>
-              <a:ea typeface="Open Sans"/>
-              <a:cs typeface="Open Sans"/>
-              <a:sym typeface="Open Sans"/>
-            </a:endParaRPr>
           </a:p>
           <a:p>
             <a:pPr marL="457200" indent="-342900">
@@ -9085,16 +9196,7 @@
                 <a:cs typeface="Open Sans"/>
                 <a:sym typeface="Open Sans"/>
               </a:rPr>
-              <a:t>Dimensionality </a:t>
-            </a:r>
-            <a:r>
-              <a:rPr lang="en-US" sz="2000" dirty="0" smtClean="0">
-                <a:latin typeface="Palatino Linotype" pitchFamily="18" charset="0"/>
-                <a:ea typeface="Open Sans"/>
-                <a:cs typeface="Open Sans"/>
-                <a:sym typeface="Open Sans"/>
-              </a:rPr>
-              <a:t>reduction</a:t>
+              <a:t>Dimensionality reduction</a:t>
             </a:r>
           </a:p>
           <a:p>
@@ -9239,9 +9341,6 @@
               </a:rPr>
               <a:t>PCA</a:t>
             </a:r>
-            <a:endParaRPr lang="en-US" sz="2800" dirty="0" smtClean="0">
-              <a:latin typeface="Palatino Linotype" pitchFamily="18" charset="0"/>
-            </a:endParaRPr>
           </a:p>
         </p:txBody>
       </p:sp>
@@ -9288,11 +9387,20 @@
                 <a:cs typeface="Open Sans"/>
                 <a:sym typeface="Open Sans"/>
               </a:rPr>
-              <a:t>PCA components</a:t>
-            </a:r>
-          </a:p>
-          <a:p>
-            <a:pPr marL="758952" lvl="1" indent="-342900">
+              <a:t>PCA </a:t>
+            </a:r>
+            <a:r>
+              <a:rPr lang="en-US" sz="2000" dirty="0" smtClean="0">
+                <a:latin typeface="Palatino Linotype" pitchFamily="18" charset="0"/>
+                <a:ea typeface="Open Sans"/>
+                <a:cs typeface="Open Sans"/>
+                <a:sym typeface="Open Sans"/>
+              </a:rPr>
+              <a:t>components</a:t>
+            </a:r>
+          </a:p>
+          <a:p>
+            <a:pPr marL="457200" indent="-342900">
               <a:spcBef>
                 <a:spcPts val="0"/>
               </a:spcBef>
@@ -9304,24 +9412,23 @@
               <a:buChar char="q"/>
             </a:pPr>
             <a:r>
-              <a:rPr lang="en-US" sz="1600" dirty="0" smtClean="0">
+              <a:rPr lang="en-US" sz="2000" dirty="0" smtClean="0">
                 <a:latin typeface="Palatino Linotype" pitchFamily="18" charset="0"/>
                 <a:ea typeface="Open Sans"/>
                 <a:cs typeface="Open Sans"/>
                 <a:sym typeface="Open Sans"/>
               </a:rPr>
-              <a:t>Explained variance for first 2 components  </a:t>
-            </a:r>
-            <a:r>
-              <a:rPr lang="en-US" sz="1600" dirty="0" smtClean="0"/>
-              <a:t>0.928 and 0.013 </a:t>
-            </a:r>
-            <a:endParaRPr lang="en-US" sz="1600" dirty="0" smtClean="0">
-              <a:latin typeface="Palatino Linotype" pitchFamily="18" charset="0"/>
-              <a:ea typeface="Open Sans"/>
-              <a:cs typeface="Open Sans"/>
-              <a:sym typeface="Open Sans"/>
-            </a:endParaRPr>
+              <a:t>PCA </a:t>
+            </a:r>
+            <a:r>
+              <a:rPr lang="en-US" sz="2000" dirty="0" smtClean="0">
+                <a:latin typeface="Palatino Linotype" pitchFamily="18" charset="0"/>
+                <a:ea typeface="Open Sans"/>
+                <a:cs typeface="Open Sans"/>
+                <a:sym typeface="Open Sans"/>
+              </a:rPr>
+              <a:t>component plot representing clusters</a:t>
+            </a:r>
           </a:p>
           <a:p>
             <a:pPr marL="457200" indent="-342900">
@@ -9342,21 +9449,8 @@
                 <a:cs typeface="Open Sans"/>
                 <a:sym typeface="Open Sans"/>
               </a:rPr>
-              <a:t>PCA component plot representing clusters</a:t>
-            </a:r>
-          </a:p>
-          <a:p>
-            <a:pPr marL="457200" indent="-342900">
-              <a:spcBef>
-                <a:spcPts val="0"/>
-              </a:spcBef>
-              <a:buClr>
-                <a:schemeClr val="tx1"/>
-              </a:buClr>
-              <a:buSzPts val="1800"/>
-              <a:buFont typeface="Wingdings" pitchFamily="2" charset="2"/>
-              <a:buChar char="q"/>
-            </a:pPr>
+              <a:t>PCA </a:t>
+            </a:r>
             <a:r>
               <a:rPr lang="en-US" sz="2000" dirty="0" smtClean="0">
                 <a:latin typeface="Palatino Linotype" pitchFamily="18" charset="0"/>
@@ -9364,7 +9458,7 @@
                 <a:cs typeface="Open Sans"/>
                 <a:sym typeface="Open Sans"/>
               </a:rPr>
-              <a:t>PCA not representing the clusters much</a:t>
+              <a:t>clearly separating spam and non spam emails</a:t>
             </a:r>
             <a:endParaRPr lang="en-US" sz="2000" dirty="0" smtClean="0">
               <a:latin typeface="Palatino Linotype" pitchFamily="18" charset="0"/>
@@ -9396,7 +9490,7 @@
       </p:sp>
       <p:pic>
         <p:nvPicPr>
-          <p:cNvPr id="1026" name="Picture 2"/>
+          <p:cNvPr id="4098" name="Picture 2"/>
           <p:cNvPicPr>
             <a:picLocks noChangeAspect="1" noChangeArrowheads="1"/>
           </p:cNvPicPr>
@@ -9411,8 +9505,41 @@
         </p:blipFill>
         <p:spPr bwMode="auto">
           <a:xfrm>
-            <a:off x="609600" y="3028950"/>
-            <a:ext cx="4953000" cy="1701800"/>
+            <a:off x="3733800" y="2952750"/>
+            <a:ext cx="5410200" cy="2078073"/>
+          </a:xfrm>
+          <a:prstGeom prst="rect">
+            <a:avLst/>
+          </a:prstGeom>
+          <a:noFill/>
+          <a:ln w="9525">
+            <a:noFill/>
+            <a:miter lim="800000"/>
+            <a:headEnd/>
+            <a:tailEnd/>
+          </a:ln>
+          <a:effectLst/>
+        </p:spPr>
+      </p:pic>
+      <p:pic>
+        <p:nvPicPr>
+          <p:cNvPr id="4099" name="Picture 3"/>
+          <p:cNvPicPr>
+            <a:picLocks noChangeAspect="1" noChangeArrowheads="1"/>
+          </p:cNvPicPr>
+          <p:nvPr/>
+        </p:nvPicPr>
+        <p:blipFill>
+          <a:blip r:embed="rId4"/>
+          <a:srcRect/>
+          <a:stretch>
+            <a:fillRect/>
+          </a:stretch>
+        </p:blipFill>
+        <p:spPr bwMode="auto">
+          <a:xfrm>
+            <a:off x="381000" y="2952750"/>
+            <a:ext cx="3124200" cy="2066007"/>
           </a:xfrm>
           <a:prstGeom prst="rect">
             <a:avLst/>
@@ -9495,9 +9622,6 @@
               </a:rPr>
               <a:t>UMAP</a:t>
             </a:r>
-            <a:endParaRPr lang="en-US" sz="2800" dirty="0" smtClean="0">
-              <a:latin typeface="Palatino Linotype" pitchFamily="18" charset="0"/>
-            </a:endParaRPr>
           </a:p>
         </p:txBody>
       </p:sp>
@@ -9585,8 +9709,23 @@
                 <a:cs typeface="Open Sans"/>
                 <a:sym typeface="Open Sans"/>
               </a:rPr>
-              <a:t>UMAP representing the clusters somewhat better</a:t>
-            </a:r>
+              <a:t>UMAP </a:t>
+            </a:r>
+            <a:r>
+              <a:rPr lang="en-US" sz="2000" dirty="0" smtClean="0">
+                <a:latin typeface="Palatino Linotype" pitchFamily="18" charset="0"/>
+                <a:ea typeface="Open Sans"/>
+                <a:cs typeface="Open Sans"/>
+                <a:sym typeface="Open Sans"/>
+              </a:rPr>
+              <a:t>not clearly representing the clusters for spam and non spam emails</a:t>
+            </a:r>
+            <a:endParaRPr lang="en-US" sz="2000" dirty="0" smtClean="0">
+              <a:latin typeface="Palatino Linotype" pitchFamily="18" charset="0"/>
+              <a:ea typeface="Open Sans"/>
+              <a:cs typeface="Open Sans"/>
+              <a:sym typeface="Open Sans"/>
+            </a:endParaRPr>
           </a:p>
           <a:p>
             <a:pPr marL="457200" indent="-342900">
@@ -9630,7 +9769,7 @@
       </p:sp>
       <p:pic>
         <p:nvPicPr>
-          <p:cNvPr id="2050" name="Picture 2"/>
+          <p:cNvPr id="3075" name="Picture 3"/>
           <p:cNvPicPr>
             <a:picLocks noChangeAspect="1" noChangeArrowheads="1"/>
           </p:cNvPicPr>
@@ -9645,8 +9784,8 @@
         </p:blipFill>
         <p:spPr bwMode="auto">
           <a:xfrm>
-            <a:off x="838200" y="2763671"/>
-            <a:ext cx="5867400" cy="2379829"/>
+            <a:off x="1371600" y="2800350"/>
+            <a:ext cx="5359400" cy="1987550"/>
           </a:xfrm>
           <a:prstGeom prst="rect">
             <a:avLst/>
@@ -9776,12 +9915,6 @@
               </a:rPr>
               <a:t>.</a:t>
             </a:r>
-            <a:endParaRPr lang="en-US" sz="2000" dirty="0" smtClean="0">
-              <a:latin typeface="Palatino Linotype" pitchFamily="18" charset="0"/>
-              <a:ea typeface="Open Sans"/>
-              <a:cs typeface="Open Sans"/>
-              <a:sym typeface="Open Sans"/>
-            </a:endParaRPr>
           </a:p>
           <a:p>
             <a:pPr marL="457200" indent="-342900">
@@ -9802,23 +9935,8 @@
                 <a:cs typeface="Open Sans"/>
                 <a:sym typeface="Open Sans"/>
               </a:rPr>
-              <a:t>Start with simple </a:t>
-            </a:r>
-            <a:r>
-              <a:rPr lang="en-US" sz="2000" dirty="0" smtClean="0">
-                <a:latin typeface="Palatino Linotype" pitchFamily="18" charset="0"/>
-                <a:ea typeface="Open Sans"/>
-                <a:cs typeface="Open Sans"/>
-                <a:sym typeface="Open Sans"/>
-              </a:rPr>
-              <a:t>K-means clustering with know number of clusters as 2.</a:t>
-            </a:r>
-            <a:endParaRPr lang="en-US" sz="2000" dirty="0" smtClean="0">
-              <a:latin typeface="Palatino Linotype" pitchFamily="18" charset="0"/>
-              <a:ea typeface="Open Sans"/>
-              <a:cs typeface="Open Sans"/>
-              <a:sym typeface="Open Sans"/>
-            </a:endParaRPr>
+              <a:t>Start with simple K-means clustering with know number of clusters as 2.</a:t>
+            </a:r>
           </a:p>
           <a:p>
             <a:pPr marL="457200" indent="-342900">
@@ -9839,43 +9957,7 @@
                 <a:cs typeface="Open Sans"/>
                 <a:sym typeface="Open Sans"/>
               </a:rPr>
-              <a:t>Move </a:t>
-            </a:r>
-            <a:r>
-              <a:rPr lang="en-US" sz="2000" dirty="0" smtClean="0">
-                <a:latin typeface="Palatino Linotype" pitchFamily="18" charset="0"/>
-                <a:ea typeface="Open Sans"/>
-                <a:cs typeface="Open Sans"/>
-                <a:sym typeface="Open Sans"/>
-              </a:rPr>
-              <a:t>to </a:t>
-            </a:r>
-            <a:r>
-              <a:rPr lang="en-US" sz="2000" dirty="0" smtClean="0">
-                <a:latin typeface="Palatino Linotype" pitchFamily="18" charset="0"/>
-                <a:ea typeface="Open Sans"/>
-                <a:cs typeface="Open Sans"/>
-                <a:sym typeface="Open Sans"/>
-              </a:rPr>
-              <a:t>Soft clustering </a:t>
-            </a:r>
-            <a:r>
-              <a:rPr lang="en-US" sz="2000" dirty="0" smtClean="0">
-                <a:latin typeface="Palatino Linotype" pitchFamily="18" charset="0"/>
-                <a:ea typeface="Open Sans"/>
-                <a:cs typeface="Open Sans"/>
-                <a:sym typeface="Open Sans"/>
-              </a:rPr>
-              <a:t>model </a:t>
-            </a:r>
-            <a:r>
-              <a:rPr lang="en-US" sz="2000" dirty="0" smtClean="0">
-                <a:latin typeface="Palatino Linotype" pitchFamily="18" charset="0"/>
-                <a:ea typeface="Open Sans"/>
-                <a:cs typeface="Open Sans"/>
-                <a:sym typeface="Open Sans"/>
-              </a:rPr>
-              <a:t>Gaussian Mixture.</a:t>
+              <a:t>Move to Soft clustering model Gaussian Mixture.</a:t>
             </a:r>
           </a:p>
           <a:p>
@@ -9976,9 +10058,6 @@
               </a:rPr>
               <a:t>K-means</a:t>
             </a:r>
-            <a:endParaRPr lang="en-US" sz="2800" dirty="0" smtClean="0">
-              <a:latin typeface="Palatino Linotype" pitchFamily="18" charset="0"/>
-            </a:endParaRPr>
           </a:p>
         </p:txBody>
       </p:sp>
@@ -10025,23 +10104,8 @@
                 <a:cs typeface="Open Sans"/>
                 <a:sym typeface="Open Sans"/>
               </a:rPr>
-              <a:t>Model </a:t>
-            </a:r>
-            <a:r>
-              <a:rPr lang="en-US" sz="2000" dirty="0" smtClean="0">
-                <a:latin typeface="Palatino Linotype" pitchFamily="18" charset="0"/>
-                <a:ea typeface="Open Sans"/>
-                <a:cs typeface="Open Sans"/>
-                <a:sym typeface="Open Sans"/>
-              </a:rPr>
-              <a:t>performance Metrics.</a:t>
-            </a:r>
-            <a:endParaRPr lang="en-US" sz="2000" dirty="0" smtClean="0">
-              <a:latin typeface="Palatino Linotype" pitchFamily="18" charset="0"/>
-              <a:ea typeface="Open Sans"/>
-              <a:cs typeface="Open Sans"/>
-              <a:sym typeface="Open Sans"/>
-            </a:endParaRPr>
+              <a:t>Model performance Metrics.</a:t>
+            </a:r>
           </a:p>
           <a:p>
             <a:pPr marL="457200" indent="-342900">
@@ -10069,7 +10133,7 @@
       </p:sp>
       <p:pic>
         <p:nvPicPr>
-          <p:cNvPr id="3074" name="Picture 2"/>
+          <p:cNvPr id="5122" name="Picture 2"/>
           <p:cNvPicPr>
             <a:picLocks noChangeAspect="1" noChangeArrowheads="1"/>
           </p:cNvPicPr>
@@ -10084,8 +10148,8 @@
         </p:blipFill>
         <p:spPr bwMode="auto">
           <a:xfrm>
-            <a:off x="5638800" y="2800350"/>
-            <a:ext cx="2819400" cy="1691640"/>
+            <a:off x="381000" y="2463445"/>
+            <a:ext cx="7696200" cy="2680055"/>
           </a:xfrm>
           <a:prstGeom prst="rect">
             <a:avLst/>
@@ -10102,7 +10166,7 @@
       </p:pic>
       <p:pic>
         <p:nvPicPr>
-          <p:cNvPr id="3075" name="Picture 3"/>
+          <p:cNvPr id="5123" name="Picture 3"/>
           <p:cNvPicPr>
             <a:picLocks noChangeAspect="1" noChangeArrowheads="1"/>
           </p:cNvPicPr>
@@ -10117,8 +10181,8 @@
         </p:blipFill>
         <p:spPr bwMode="auto">
           <a:xfrm>
-            <a:off x="304800" y="3714750"/>
-            <a:ext cx="4525537" cy="762000"/>
+            <a:off x="5257800" y="1504950"/>
+            <a:ext cx="3048000" cy="552450"/>
           </a:xfrm>
           <a:prstGeom prst="rect">
             <a:avLst/>
